--- a/專題的成長史/傢備封環(暫定).pptx
+++ b/專題的成長史/傢備封環(暫定).pptx
@@ -5,28 +5,27 @@
     <p:sldMasterId id="2147483648" r:id="rId2"/>
   </p:sldMasterIdLst>
   <p:notesMasterIdLst>
-    <p:notesMasterId r:id="rId19"/>
+    <p:notesMasterId r:id="rId18"/>
   </p:notesMasterIdLst>
   <p:handoutMasterIdLst>
-    <p:handoutMasterId r:id="rId20"/>
+    <p:handoutMasterId r:id="rId19"/>
   </p:handoutMasterIdLst>
   <p:sldIdLst>
     <p:sldId id="256" r:id="rId3"/>
     <p:sldId id="271" r:id="rId4"/>
     <p:sldId id="272" r:id="rId5"/>
-    <p:sldId id="273" r:id="rId6"/>
-    <p:sldId id="274" r:id="rId7"/>
-    <p:sldId id="276" r:id="rId8"/>
-    <p:sldId id="278" r:id="rId9"/>
-    <p:sldId id="277" r:id="rId10"/>
-    <p:sldId id="279" r:id="rId11"/>
-    <p:sldId id="257" r:id="rId12"/>
-    <p:sldId id="270" r:id="rId13"/>
-    <p:sldId id="262" r:id="rId14"/>
-    <p:sldId id="263" r:id="rId15"/>
-    <p:sldId id="275" r:id="rId16"/>
-    <p:sldId id="265" r:id="rId17"/>
-    <p:sldId id="266" r:id="rId18"/>
+    <p:sldId id="274" r:id="rId6"/>
+    <p:sldId id="276" r:id="rId7"/>
+    <p:sldId id="278" r:id="rId8"/>
+    <p:sldId id="277" r:id="rId9"/>
+    <p:sldId id="279" r:id="rId10"/>
+    <p:sldId id="257" r:id="rId11"/>
+    <p:sldId id="270" r:id="rId12"/>
+    <p:sldId id="262" r:id="rId13"/>
+    <p:sldId id="263" r:id="rId14"/>
+    <p:sldId id="275" r:id="rId15"/>
+    <p:sldId id="265" r:id="rId16"/>
+    <p:sldId id="266" r:id="rId17"/>
   </p:sldIdLst>
   <p:sldSz cx="12188825" cy="6858000"/>
   <p:notesSz cx="6858000" cy="9144000"/>
@@ -127,7 +126,7 @@
   </p:defaultTextStyle>
   <p:extLst>
     <p:ext uri="{EFAFB233-063F-42B5-8137-9DF3F51BA10A}">
-      <p15:sldGuideLst xmlns:p15="http://schemas.microsoft.com/office/powerpoint/2012/main">
+      <p15:sldGuideLst xmlns:p15="http://schemas.microsoft.com/office/powerpoint/2012/main" xmlns="">
         <p15:guide id="1" orient="horz" pos="2160">
           <p15:clr>
             <a:srgbClr val="A4A3A4"/>
@@ -216,7 +215,7 @@
       </p15:sldGuideLst>
     </p:ext>
     <p:ext uri="{2D200454-40CA-4A62-9FC3-DE9A4176ACB9}">
-      <p15:notesGuideLst xmlns:p15="http://schemas.microsoft.com/office/powerpoint/2012/main">
+      <p15:notesGuideLst xmlns:p15="http://schemas.microsoft.com/office/powerpoint/2012/main" xmlns="">
         <p15:guide id="1" orient="horz" pos="2880">
           <p15:clr>
             <a:srgbClr val="A4A3A4"/>
@@ -4642,15 +4641,7 @@
           <a:p>
             <a:r>
               <a:rPr lang="zh-TW" altLang="en-US" dirty="0" smtClean="0"/>
-              <a:t>傢</a:t>
-            </a:r>
-            <a:r>
-              <a:rPr lang="zh-TW" altLang="en-US" dirty="0"/>
-              <a:t>備</a:t>
-            </a:r>
-            <a:r>
-              <a:rPr lang="zh-TW" altLang="en-US" dirty="0" smtClean="0"/>
-              <a:t>封環</a:t>
+              <a:t>立體顯影</a:t>
             </a:r>
             <a:endParaRPr lang="zh-TW" dirty="0"/>
           </a:p>
@@ -4679,12 +4670,12 @@
           <a:lstStyle/>
           <a:p>
             <a:r>
+              <a:rPr lang="zh-TW" altLang="en-US" dirty="0"/>
+              <a:t>觸碰現實及虛擬</a:t>
+            </a:r>
+            <a:r>
               <a:rPr lang="zh-TW" altLang="en-US" dirty="0" smtClean="0"/>
-              <a:t>輕鬆設計你的家</a:t>
-            </a:r>
-            <a:r>
-              <a:rPr lang="en-US" altLang="zh-TW" dirty="0" smtClean="0"/>
-              <a:t>!</a:t>
+              <a:t>間的界線</a:t>
             </a:r>
             <a:endParaRPr lang="zh-TW" dirty="0"/>
           </a:p>
@@ -4729,7 +4720,6 @@
               <a:rPr lang="en-US" altLang="zh-TW" sz="2400" dirty="0" smtClean="0"/>
               <a:t>:</a:t>
             </a:r>
-            <a:endParaRPr lang="en-US" altLang="zh-TW" sz="2400" dirty="0" smtClean="0"/>
           </a:p>
           <a:p>
             <a:pPr>
@@ -5718,19 +5708,74 @@
         </p:nvSpPr>
         <p:spPr/>
         <p:txBody>
-          <a:bodyPr>
-            <a:normAutofit/>
-          </a:bodyPr>
-          <a:lstStyle/>
-          <a:p>
-            <a:endParaRPr lang="zh-TW" dirty="0"/>
+          <a:bodyPr/>
+          <a:lstStyle/>
+          <a:p>
+            <a:endParaRPr lang="zh-TW"/>
+          </a:p>
+        </p:txBody>
+      </p:sp>
+      <p:sp>
+        <p:nvSpPr>
+          <p:cNvPr id="4" name="內容版面配置區 3"/>
+          <p:cNvSpPr>
+            <a:spLocks noGrp="1"/>
+          </p:cNvSpPr>
+          <p:nvPr>
+            <p:ph sz="half" idx="2"/>
+          </p:nvPr>
+        </p:nvSpPr>
+        <p:spPr/>
+        <p:txBody>
+          <a:bodyPr/>
+          <a:lstStyle/>
+          <a:p>
+            <a:endParaRPr lang="zh-TW"/>
+          </a:p>
+        </p:txBody>
+      </p:sp>
+      <p:sp>
+        <p:nvSpPr>
+          <p:cNvPr id="5" name="文字版面配置區 4"/>
+          <p:cNvSpPr>
+            <a:spLocks noGrp="1"/>
+          </p:cNvSpPr>
+          <p:nvPr>
+            <p:ph type="body" sz="quarter" idx="3"/>
+          </p:nvPr>
+        </p:nvSpPr>
+        <p:spPr/>
+        <p:txBody>
+          <a:bodyPr/>
+          <a:lstStyle/>
+          <a:p>
+            <a:endParaRPr lang="zh-TW"/>
+          </a:p>
+        </p:txBody>
+      </p:sp>
+      <p:sp>
+        <p:nvSpPr>
+          <p:cNvPr id="6" name="內容版面配置區 5"/>
+          <p:cNvSpPr>
+            <a:spLocks noGrp="1"/>
+          </p:cNvSpPr>
+          <p:nvPr>
+            <p:ph sz="quarter" idx="4"/>
+          </p:nvPr>
+        </p:nvSpPr>
+        <p:spPr/>
+        <p:txBody>
+          <a:bodyPr/>
+          <a:lstStyle/>
+          <a:p>
+            <a:endParaRPr lang="zh-TW"/>
           </a:p>
         </p:txBody>
       </p:sp>
     </p:spTree>
     <p:extLst>
       <p:ext uri="{BB962C8B-B14F-4D97-AF65-F5344CB8AC3E}">
-        <p14:creationId xmlns:p14="http://schemas.microsoft.com/office/powerpoint/2010/main" val="232995028"/>
+        <p14:creationId xmlns:p14="http://schemas.microsoft.com/office/powerpoint/2010/main" val="4130843238"/>
       </p:ext>
     </p:extLst>
   </p:cSld>
@@ -5795,150 +5840,6 @@
           </a:p>
         </p:txBody>
       </p:sp>
-      <p:sp>
-        <p:nvSpPr>
-          <p:cNvPr id="3" name="文字版面配置區 2"/>
-          <p:cNvSpPr>
-            <a:spLocks noGrp="1"/>
-          </p:cNvSpPr>
-          <p:nvPr>
-            <p:ph type="body" idx="1"/>
-          </p:nvPr>
-        </p:nvSpPr>
-        <p:spPr/>
-        <p:txBody>
-          <a:bodyPr/>
-          <a:lstStyle/>
-          <a:p>
-            <a:endParaRPr lang="zh-TW"/>
-          </a:p>
-        </p:txBody>
-      </p:sp>
-      <p:sp>
-        <p:nvSpPr>
-          <p:cNvPr id="4" name="內容版面配置區 3"/>
-          <p:cNvSpPr>
-            <a:spLocks noGrp="1"/>
-          </p:cNvSpPr>
-          <p:nvPr>
-            <p:ph sz="half" idx="2"/>
-          </p:nvPr>
-        </p:nvSpPr>
-        <p:spPr/>
-        <p:txBody>
-          <a:bodyPr/>
-          <a:lstStyle/>
-          <a:p>
-            <a:endParaRPr lang="zh-TW"/>
-          </a:p>
-        </p:txBody>
-      </p:sp>
-      <p:sp>
-        <p:nvSpPr>
-          <p:cNvPr id="5" name="文字版面配置區 4"/>
-          <p:cNvSpPr>
-            <a:spLocks noGrp="1"/>
-          </p:cNvSpPr>
-          <p:nvPr>
-            <p:ph type="body" sz="quarter" idx="3"/>
-          </p:nvPr>
-        </p:nvSpPr>
-        <p:spPr/>
-        <p:txBody>
-          <a:bodyPr/>
-          <a:lstStyle/>
-          <a:p>
-            <a:endParaRPr lang="zh-TW"/>
-          </a:p>
-        </p:txBody>
-      </p:sp>
-      <p:sp>
-        <p:nvSpPr>
-          <p:cNvPr id="6" name="內容版面配置區 5"/>
-          <p:cNvSpPr>
-            <a:spLocks noGrp="1"/>
-          </p:cNvSpPr>
-          <p:nvPr>
-            <p:ph sz="quarter" idx="4"/>
-          </p:nvPr>
-        </p:nvSpPr>
-        <p:spPr/>
-        <p:txBody>
-          <a:bodyPr/>
-          <a:lstStyle/>
-          <a:p>
-            <a:endParaRPr lang="zh-TW"/>
-          </a:p>
-        </p:txBody>
-      </p:sp>
-    </p:spTree>
-    <p:extLst>
-      <p:ext uri="{BB962C8B-B14F-4D97-AF65-F5344CB8AC3E}">
-        <p14:creationId xmlns:p14="http://schemas.microsoft.com/office/powerpoint/2010/main" val="4130843238"/>
-      </p:ext>
-    </p:extLst>
-  </p:cSld>
-  <p:clrMapOvr>
-    <a:masterClrMapping/>
-  </p:clrMapOvr>
-  <mc:AlternateContent xmlns:mc="http://schemas.openxmlformats.org/markup-compatibility/2006" xmlns:p14="http://schemas.microsoft.com/office/powerpoint/2010/main">
-    <mc:Choice Requires="p14">
-      <p:transition spd="med" p14:dur="700">
-        <p:fade/>
-      </p:transition>
-    </mc:Choice>
-    <mc:Fallback xmlns="">
-      <p:transition spd="med">
-        <p:fade/>
-      </p:transition>
-    </mc:Fallback>
-  </mc:AlternateContent>
-  <p:timing>
-    <p:tnLst>
-      <p:par>
-        <p:cTn id="1" dur="indefinite" restart="never" nodeType="tmRoot"/>
-      </p:par>
-    </p:tnLst>
-  </p:timing>
-</p:sld>
-</file>
-
-<file path=ppt/slides/slide12.xml><?xml version="1.0" encoding="utf-8"?>
-<p:sld xmlns:a="http://schemas.openxmlformats.org/drawingml/2006/main" xmlns:r="http://schemas.openxmlformats.org/officeDocument/2006/relationships" xmlns:p="http://schemas.openxmlformats.org/presentationml/2006/main">
-  <p:cSld>
-    <p:spTree>
-      <p:nvGrpSpPr>
-        <p:cNvPr id="1" name=""/>
-        <p:cNvGrpSpPr/>
-        <p:nvPr/>
-      </p:nvGrpSpPr>
-      <p:grpSpPr>
-        <a:xfrm>
-          <a:off x="0" y="0"/>
-          <a:ext cx="0" cy="0"/>
-          <a:chOff x="0" y="0"/>
-          <a:chExt cx="0" cy="0"/>
-        </a:xfrm>
-      </p:grpSpPr>
-      <p:sp>
-        <p:nvSpPr>
-          <p:cNvPr id="2" name="標題 1"/>
-          <p:cNvSpPr>
-            <a:spLocks noGrp="1"/>
-          </p:cNvSpPr>
-          <p:nvPr>
-            <p:ph type="title"/>
-          </p:nvPr>
-        </p:nvSpPr>
-        <p:spPr/>
-        <p:txBody>
-          <a:bodyPr/>
-          <a:lstStyle/>
-          <a:p>
-            <a:endParaRPr lang="zh-TW" dirty="0"/>
-          </a:p>
-        </p:txBody>
-      </p:sp>
     </p:spTree>
     <p:extLst>
       <p:ext uri="{BB962C8B-B14F-4D97-AF65-F5344CB8AC3E}">
@@ -5971,7 +5872,7 @@
 </p:sld>
 </file>
 
-<file path=ppt/slides/slide13.xml><?xml version="1.0" encoding="utf-8"?>
+<file path=ppt/slides/slide12.xml><?xml version="1.0" encoding="utf-8"?>
 <p:sld xmlns:a="http://schemas.openxmlformats.org/drawingml/2006/main" xmlns:r="http://schemas.openxmlformats.org/officeDocument/2006/relationships" xmlns:p="http://schemas.openxmlformats.org/presentationml/2006/main">
   <p:cSld>
     <p:spTree>
@@ -6020,7 +5921,7 @@
 </p:sld>
 </file>
 
-<file path=ppt/slides/slide14.xml><?xml version="1.0" encoding="utf-8"?>
+<file path=ppt/slides/slide13.xml><?xml version="1.0" encoding="utf-8"?>
 <p:sld xmlns:a="http://schemas.openxmlformats.org/drawingml/2006/main" xmlns:r="http://schemas.openxmlformats.org/officeDocument/2006/relationships" xmlns:p="http://schemas.openxmlformats.org/presentationml/2006/main">
   <p:cSld>
     <p:spTree>
@@ -6126,7 +6027,7 @@
 </p:sld>
 </file>
 
-<file path=ppt/slides/slide15.xml><?xml version="1.0" encoding="utf-8"?>
+<file path=ppt/slides/slide14.xml><?xml version="1.0" encoding="utf-8"?>
 <p:sld xmlns:a="http://schemas.openxmlformats.org/drawingml/2006/main" xmlns:r="http://schemas.openxmlformats.org/officeDocument/2006/relationships" xmlns:p="http://schemas.openxmlformats.org/presentationml/2006/main">
   <p:cSld>
     <p:spTree>
@@ -6225,7 +6126,7 @@
 </p:sld>
 </file>
 
-<file path=ppt/slides/slide16.xml><?xml version="1.0" encoding="utf-8"?>
+<file path=ppt/slides/slide15.xml><?xml version="1.0" encoding="utf-8"?>
 <p:sld xmlns:a="http://schemas.openxmlformats.org/drawingml/2006/main" xmlns:r="http://schemas.openxmlformats.org/officeDocument/2006/relationships" xmlns:p="http://schemas.openxmlformats.org/presentationml/2006/main">
   <p:cSld>
     <p:spTree>
@@ -6379,6 +6280,17 @@
           <a:bodyPr/>
           <a:lstStyle/>
           <a:p>
+            <a:r>
+              <a:rPr lang="zh-TW" altLang="en-US" dirty="0"/>
+              <a:t>異於常見的</a:t>
+            </a:r>
+            <a:r>
+              <a:rPr lang="zh-TW" altLang="en-US" dirty="0" smtClean="0"/>
+              <a:t>平面貼圖，可隨心所欲將３Ｄ模組呈現在裝置上，並讓使用者隨心所欲調整各種不同的遠近角度來欣賞</a:t>
+            </a:r>
+            <a:endParaRPr lang="en-US" altLang="zh-TW" dirty="0" smtClean="0"/>
+          </a:p>
+          <a:p>
             <a:endParaRPr lang="zh-TW" dirty="0"/>
           </a:p>
         </p:txBody>
@@ -6467,31 +6379,89 @@
         </p:nvSpPr>
         <p:spPr/>
         <p:txBody>
-          <a:bodyPr/>
+          <a:bodyPr>
+            <a:normAutofit/>
+          </a:bodyPr>
           <a:lstStyle/>
           <a:p>
             <a:r>
               <a:rPr lang="zh-TW" altLang="en-US" dirty="0" smtClean="0"/>
-              <a:t>當您在開心的網拍家俱時，卻不知道該擺哪裡，與其他家具配色如何，擺不擺的下，令人頭痛萬分，這時候你非常需要幽靈家電，省去你一切煩惱。</a:t>
+              <a:t>若想裝潢</a:t>
+            </a:r>
+            <a:r>
+              <a:rPr lang="en-US" altLang="zh-TW" dirty="0" smtClean="0"/>
+              <a:t>.</a:t>
+            </a:r>
+            <a:r>
+              <a:rPr lang="zh-TW" altLang="en-US" dirty="0" smtClean="0"/>
+              <a:t>置辦家具</a:t>
+            </a:r>
+            <a:r>
+              <a:rPr lang="en-US" altLang="zh-TW" dirty="0" smtClean="0"/>
+              <a:t>.</a:t>
+            </a:r>
+            <a:r>
+              <a:rPr lang="zh-TW" altLang="en-US" dirty="0"/>
+              <a:t>使用本</a:t>
+            </a:r>
+            <a:r>
+              <a:rPr lang="zh-TW" altLang="en-US" dirty="0" smtClean="0"/>
+              <a:t>程式可節省大量時間</a:t>
+            </a:r>
+            <a:r>
+              <a:rPr lang="en-US" altLang="zh-TW" dirty="0" smtClean="0"/>
+              <a:t>.</a:t>
+            </a:r>
+            <a:r>
+              <a:rPr lang="zh-TW" altLang="en-US" dirty="0" smtClean="0"/>
+              <a:t>資源 免去理想與現實摩擦所造成的麻煩</a:t>
             </a:r>
             <a:endParaRPr lang="en-US" altLang="zh-TW" dirty="0" smtClean="0"/>
           </a:p>
           <a:p>
             <a:r>
               <a:rPr lang="zh-TW" altLang="en-US" dirty="0" smtClean="0"/>
-              <a:t>當你一個人出外遊玩，拍照時空虛寂寞覺得冷，這時你非常需要幽靈家電，幫你模擬你的親朋好友拍</a:t>
-            </a:r>
-            <a:r>
-              <a:rPr lang="zh-TW" altLang="en-US" dirty="0"/>
-              <a:t>合</a:t>
+              <a:t>出遊想拍照時發現缺少某個死黨或心愛飾品</a:t>
+            </a:r>
+            <a:r>
+              <a:rPr lang="en-US" altLang="zh-TW" dirty="0" smtClean="0"/>
+              <a:t>?</a:t>
             </a:r>
             <a:r>
               <a:rPr lang="zh-TW" altLang="en-US" dirty="0" smtClean="0"/>
-              <a:t>照。</a:t>
+              <a:t> 使用本程式後讓使用者透過鏡頭即時欣賞並免去後製修圖的麻煩</a:t>
             </a:r>
             <a:endParaRPr lang="en-US" altLang="zh-TW" dirty="0" smtClean="0"/>
           </a:p>
           <a:p>
+            <a:r>
+              <a:rPr lang="zh-TW" altLang="en-US" dirty="0" smtClean="0"/>
+              <a:t>立體美術作業攜帶麻煩且容易毀損</a:t>
+            </a:r>
+            <a:r>
+              <a:rPr lang="en-US" altLang="zh-TW" dirty="0" smtClean="0"/>
+              <a:t>?</a:t>
+            </a:r>
+            <a:r>
+              <a:rPr lang="zh-TW" altLang="en-US" dirty="0" smtClean="0"/>
+              <a:t> 使用本程式輕鬆解決無煩惱 </a:t>
+            </a:r>
+            <a:endParaRPr lang="en-US" altLang="zh-TW" dirty="0" smtClean="0"/>
+          </a:p>
+          <a:p>
+            <a:endParaRPr lang="en-US" altLang="zh-TW" dirty="0" smtClean="0"/>
+          </a:p>
+          <a:p>
+            <a:pPr marL="0" indent="0">
+              <a:buNone/>
+            </a:pPr>
+            <a:endParaRPr lang="en-US" altLang="zh-TW" dirty="0" smtClean="0"/>
+          </a:p>
+          <a:p>
+            <a:r>
+              <a:rPr lang="zh-TW" altLang="en-US" dirty="0" smtClean="0"/>
+              <a:t>情人節沒有女朋友也可以拍張甜蜜照撫慰空虛的心靈</a:t>
+            </a:r>
             <a:endParaRPr lang="zh-TW" altLang="en-US" dirty="0"/>
           </a:p>
         </p:txBody>
@@ -6562,7 +6532,7 @@
           <a:p>
             <a:r>
               <a:rPr lang="zh-TW" altLang="en-US" dirty="0" smtClean="0"/>
-              <a:t>應用方法</a:t>
+              <a:t>實作方式</a:t>
             </a:r>
             <a:endParaRPr lang="zh-TW" dirty="0"/>
           </a:p>
@@ -6570,12 +6540,39 @@
       </p:sp>
       <p:sp>
         <p:nvSpPr>
+          <p:cNvPr id="3" name="內容版面配置區 2"/>
+          <p:cNvSpPr>
+            <a:spLocks noGrp="1"/>
+          </p:cNvSpPr>
+          <p:nvPr>
+            <p:ph sz="half" idx="1"/>
+          </p:nvPr>
+        </p:nvSpPr>
+        <p:spPr/>
+        <p:txBody>
+          <a:bodyPr/>
+          <a:lstStyle/>
+          <a:p>
+            <a:r>
+              <a:rPr lang="en-US" altLang="zh-TW" dirty="0" smtClean="0"/>
+              <a:t>3D</a:t>
+            </a:r>
+            <a:r>
+              <a:rPr lang="zh-TW" altLang="en-US" dirty="0" smtClean="0"/>
+              <a:t>模型讀取</a:t>
+            </a:r>
+            <a:endParaRPr lang="zh-TW" altLang="en-US" dirty="0"/>
+          </a:p>
+        </p:txBody>
+      </p:sp>
+      <p:sp>
+        <p:nvSpPr>
           <p:cNvPr id="5" name="內容版面配置區 4"/>
           <p:cNvSpPr>
             <a:spLocks noGrp="1"/>
           </p:cNvSpPr>
           <p:nvPr>
-            <p:ph sz="half" idx="1"/>
+            <p:ph sz="half" idx="2"/>
           </p:nvPr>
         </p:nvSpPr>
         <p:spPr/>
@@ -6585,263 +6582,20 @@
           <a:p>
             <a:r>
               <a:rPr lang="zh-TW" altLang="en-US" dirty="0" smtClean="0"/>
-              <a:t>這裡寫</a:t>
+              <a:t>具有相機功能的</a:t>
             </a:r>
             <a:r>
               <a:rPr lang="en-US" altLang="zh-TW" dirty="0" smtClean="0"/>
               <a:t>APP</a:t>
             </a:r>
-            <a:r>
-              <a:rPr lang="zh-TW" altLang="en-US" dirty="0" smtClean="0"/>
-              <a:t>的使用方式</a:t>
-            </a:r>
-            <a:endParaRPr lang="zh-TW" dirty="0"/>
-          </a:p>
-        </p:txBody>
-      </p:sp>
-      <p:graphicFrame>
-        <p:nvGraphicFramePr>
-          <p:cNvPr id="6" name="內容版面配置區 5"/>
-          <p:cNvGraphicFramePr>
-            <a:graphicFrameLocks noGrp="1"/>
-          </p:cNvGraphicFramePr>
-          <p:nvPr>
-            <p:ph sz="half" idx="2"/>
-            <p:extLst>
-              <p:ext uri="{D42A27DB-BD31-4B8C-83A1-F6EECF244321}">
-                <p14:modId xmlns:p14="http://schemas.microsoft.com/office/powerpoint/2010/main" val="2880599301"/>
-              </p:ext>
-            </p:extLst>
-          </p:nvPr>
-        </p:nvGraphicFramePr>
-        <p:xfrm>
-          <a:off x="6246813" y="1828800"/>
-          <a:ext cx="4648200" cy="2057400"/>
-        </p:xfrm>
-        <a:graphic>
-          <a:graphicData uri="http://schemas.openxmlformats.org/drawingml/2006/table">
-            <a:tbl>
-              <a:tblPr firstRow="1" bandRow="1">
-                <a:tableStyleId>{5C22544A-7EE6-4342-B048-85BDC9FD1C3A}</a:tableStyleId>
-              </a:tblPr>
-              <a:tblGrid>
-                <a:gridCol w="1549400"/>
-                <a:gridCol w="1549400"/>
-                <a:gridCol w="1549400"/>
-              </a:tblGrid>
-              <a:tr h="514350">
-                <a:tc>
-                  <a:txBody>
-                    <a:bodyPr/>
-                    <a:lstStyle/>
-                    <a:p>
-                      <a:endParaRPr lang="zh-TW" dirty="0">
-                        <a:latin typeface="微軟正黑體" panose="020B0604030504040204" pitchFamily="34" charset="-120"/>
-                        <a:ea typeface="微軟正黑體" panose="020B0604030504040204" pitchFamily="34" charset="-120"/>
-                      </a:endParaRPr>
-                    </a:p>
-                  </a:txBody>
-                  <a:tcPr anchor="ctr"/>
-                </a:tc>
-                <a:tc>
-                  <a:txBody>
-                    <a:bodyPr/>
-                    <a:lstStyle/>
-                    <a:p>
-                      <a:pPr algn="ctr"/>
-                      <a:r>
-                        <a:rPr lang="zh-TW" dirty="0">
-                          <a:latin typeface="微軟正黑體" panose="020B0604030504040204" pitchFamily="34" charset="-120"/>
-                          <a:ea typeface="微軟正黑體" panose="020B0604030504040204" pitchFamily="34" charset="-120"/>
-                        </a:rPr>
-                        <a:t>群組 A</a:t>
-                      </a:r>
-                    </a:p>
-                  </a:txBody>
-                  <a:tcPr anchor="ctr"/>
-                </a:tc>
-                <a:tc>
-                  <a:txBody>
-                    <a:bodyPr/>
-                    <a:lstStyle/>
-                    <a:p>
-                      <a:pPr algn="ctr"/>
-                      <a:r>
-                        <a:rPr lang="zh-TW" dirty="0">
-                          <a:latin typeface="微軟正黑體" panose="020B0604030504040204" pitchFamily="34" charset="-120"/>
-                          <a:ea typeface="微軟正黑體" panose="020B0604030504040204" pitchFamily="34" charset="-120"/>
-                        </a:rPr>
-                        <a:t>群組 B</a:t>
-                      </a:r>
-                    </a:p>
-                  </a:txBody>
-                  <a:tcPr anchor="ctr"/>
-                </a:tc>
-              </a:tr>
-              <a:tr h="514350">
-                <a:tc>
-                  <a:txBody>
-                    <a:bodyPr/>
-                    <a:lstStyle/>
-                    <a:p>
-                      <a:r>
-                        <a:rPr lang="zh-TW" dirty="0">
-                          <a:latin typeface="微軟正黑體" panose="020B0604030504040204" pitchFamily="34" charset="-120"/>
-                          <a:ea typeface="微軟正黑體" panose="020B0604030504040204" pitchFamily="34" charset="-120"/>
-                        </a:rPr>
-                        <a:t>課程 1</a:t>
-                      </a:r>
-                    </a:p>
-                  </a:txBody>
-                  <a:tcPr anchor="ctr"/>
-                </a:tc>
-                <a:tc>
-                  <a:txBody>
-                    <a:bodyPr/>
-                    <a:lstStyle/>
-                    <a:p>
-                      <a:pPr algn="ctr"/>
-                      <a:r>
-                        <a:rPr lang="zh-TW" dirty="0">
-                          <a:latin typeface="微軟正黑體" panose="020B0604030504040204" pitchFamily="34" charset="-120"/>
-                          <a:ea typeface="微軟正黑體" panose="020B0604030504040204" pitchFamily="34" charset="-120"/>
-                        </a:rPr>
-                        <a:t>82</a:t>
-                      </a:r>
-                    </a:p>
-                  </a:txBody>
-                  <a:tcPr anchor="ctr"/>
-                </a:tc>
-                <a:tc>
-                  <a:txBody>
-                    <a:bodyPr/>
-                    <a:lstStyle/>
-                    <a:p>
-                      <a:pPr algn="ctr"/>
-                      <a:r>
-                        <a:rPr lang="zh-TW" dirty="0">
-                          <a:latin typeface="微軟正黑體" panose="020B0604030504040204" pitchFamily="34" charset="-120"/>
-                          <a:ea typeface="微軟正黑體" panose="020B0604030504040204" pitchFamily="34" charset="-120"/>
-                        </a:rPr>
-                        <a:t>95</a:t>
-                      </a:r>
-                    </a:p>
-                  </a:txBody>
-                  <a:tcPr anchor="ctr"/>
-                </a:tc>
-              </a:tr>
-              <a:tr h="514350">
-                <a:tc>
-                  <a:txBody>
-                    <a:bodyPr/>
-                    <a:lstStyle/>
-                    <a:p>
-                      <a:r>
-                        <a:rPr lang="zh-TW" dirty="0">
-                          <a:latin typeface="微軟正黑體" panose="020B0604030504040204" pitchFamily="34" charset="-120"/>
-                          <a:ea typeface="微軟正黑體" panose="020B0604030504040204" pitchFamily="34" charset="-120"/>
-                        </a:rPr>
-                        <a:t>課程 2</a:t>
-                      </a:r>
-                    </a:p>
-                  </a:txBody>
-                  <a:tcPr anchor="ctr"/>
-                </a:tc>
-                <a:tc>
-                  <a:txBody>
-                    <a:bodyPr/>
-                    <a:lstStyle/>
-                    <a:p>
-                      <a:pPr algn="ctr"/>
-                      <a:r>
-                        <a:rPr lang="zh-TW" dirty="0">
-                          <a:latin typeface="微軟正黑體" panose="020B0604030504040204" pitchFamily="34" charset="-120"/>
-                          <a:ea typeface="微軟正黑體" panose="020B0604030504040204" pitchFamily="34" charset="-120"/>
-                        </a:rPr>
-                        <a:t>76</a:t>
-                      </a:r>
-                    </a:p>
-                  </a:txBody>
-                  <a:tcPr anchor="ctr"/>
-                </a:tc>
-                <a:tc>
-                  <a:txBody>
-                    <a:bodyPr/>
-                    <a:lstStyle/>
-                    <a:p>
-                      <a:pPr algn="ctr"/>
-                      <a:r>
-                        <a:rPr lang="zh-TW" dirty="0">
-                          <a:latin typeface="微軟正黑體" panose="020B0604030504040204" pitchFamily="34" charset="-120"/>
-                          <a:ea typeface="微軟正黑體" panose="020B0604030504040204" pitchFamily="34" charset="-120"/>
-                        </a:rPr>
-                        <a:t>88</a:t>
-                      </a:r>
-                    </a:p>
-                  </a:txBody>
-                  <a:tcPr anchor="ctr"/>
-                </a:tc>
-              </a:tr>
-              <a:tr h="514350">
-                <a:tc>
-                  <a:txBody>
-                    <a:bodyPr/>
-                    <a:lstStyle/>
-                    <a:p>
-                      <a:r>
-                        <a:rPr lang="zh-TW" dirty="0">
-                          <a:latin typeface="微軟正黑體" panose="020B0604030504040204" pitchFamily="34" charset="-120"/>
-                          <a:ea typeface="微軟正黑體" panose="020B0604030504040204" pitchFamily="34" charset="-120"/>
-                        </a:rPr>
-                        <a:t>課程 3</a:t>
-                      </a:r>
-                    </a:p>
-                  </a:txBody>
-                  <a:tcPr anchor="ctr"/>
-                </a:tc>
-                <a:tc>
-                  <a:txBody>
-                    <a:bodyPr/>
-                    <a:lstStyle/>
-                    <a:p>
-                      <a:pPr algn="ctr"/>
-                      <a:r>
-                        <a:rPr lang="zh-TW" dirty="0">
-                          <a:latin typeface="微軟正黑體" panose="020B0604030504040204" pitchFamily="34" charset="-120"/>
-                          <a:ea typeface="微軟正黑體" panose="020B0604030504040204" pitchFamily="34" charset="-120"/>
-                        </a:rPr>
-                        <a:t>84</a:t>
-                      </a:r>
-                    </a:p>
-                  </a:txBody>
-                  <a:tcPr anchor="ctr"/>
-                </a:tc>
-                <a:tc>
-                  <a:txBody>
-                    <a:bodyPr/>
-                    <a:lstStyle/>
-                    <a:p>
-                      <a:pPr algn="ctr"/>
-                      <a:r>
-                        <a:rPr lang="zh-TW" dirty="0">
-                          <a:latin typeface="微軟正黑體" panose="020B0604030504040204" pitchFamily="34" charset="-120"/>
-                          <a:ea typeface="微軟正黑體" panose="020B0604030504040204" pitchFamily="34" charset="-120"/>
-                        </a:rPr>
-                        <a:t>90</a:t>
-                      </a:r>
-                    </a:p>
-                  </a:txBody>
-                  <a:tcPr anchor="ctr"/>
-                </a:tc>
-              </a:tr>
-            </a:tbl>
-          </a:graphicData>
-        </a:graphic>
-      </p:graphicFrame>
+            <a:endParaRPr lang="zh-TW" altLang="en-US" dirty="0"/>
+          </a:p>
+        </p:txBody>
+      </p:sp>
     </p:spTree>
     <p:extLst>
       <p:ext uri="{BB962C8B-B14F-4D97-AF65-F5344CB8AC3E}">
-        <p14:creationId xmlns:p14="http://schemas.microsoft.com/office/powerpoint/2010/main" val="1648180212"/>
+        <p14:creationId xmlns:p14="http://schemas.microsoft.com/office/powerpoint/2010/main" val="1169932064"/>
       </p:ext>
     </p:extLst>
   </p:cSld>
@@ -6904,7 +6658,7 @@
           <a:p>
             <a:r>
               <a:rPr lang="zh-TW" altLang="en-US" dirty="0" smtClean="0"/>
-              <a:t>實作方式</a:t>
+              <a:t>程式架構</a:t>
             </a:r>
             <a:endParaRPr lang="zh-TW" dirty="0"/>
           </a:p>
@@ -6925,15 +6679,7 @@
           <a:bodyPr/>
           <a:lstStyle/>
           <a:p>
-            <a:r>
-              <a:rPr lang="en-US" altLang="zh-TW" dirty="0" smtClean="0"/>
-              <a:t>3D</a:t>
-            </a:r>
-            <a:r>
-              <a:rPr lang="zh-TW" altLang="en-US" dirty="0" smtClean="0"/>
-              <a:t>模型讀取</a:t>
-            </a:r>
-            <a:endParaRPr lang="zh-TW" altLang="en-US" dirty="0"/>
+            <a:endParaRPr lang="zh-TW" altLang="en-US"/>
           </a:p>
         </p:txBody>
       </p:sp>
@@ -6952,22 +6698,14 @@
           <a:bodyPr/>
           <a:lstStyle/>
           <a:p>
-            <a:r>
-              <a:rPr lang="zh-TW" altLang="en-US" dirty="0" smtClean="0"/>
-              <a:t>具有相機功能的</a:t>
-            </a:r>
-            <a:r>
-              <a:rPr lang="en-US" altLang="zh-TW" dirty="0" smtClean="0"/>
-              <a:t>APP</a:t>
-            </a:r>
-            <a:endParaRPr lang="zh-TW" altLang="en-US" dirty="0"/>
+            <a:endParaRPr lang="zh-TW" altLang="en-US"/>
           </a:p>
         </p:txBody>
       </p:sp>
     </p:spTree>
     <p:extLst>
       <p:ext uri="{BB962C8B-B14F-4D97-AF65-F5344CB8AC3E}">
-        <p14:creationId xmlns:p14="http://schemas.microsoft.com/office/powerpoint/2010/main" val="1169932064"/>
+        <p14:creationId xmlns:p14="http://schemas.microsoft.com/office/powerpoint/2010/main" val="4080247503"/>
       </p:ext>
     </p:extLst>
   </p:cSld>
@@ -7030,9 +6768,9 @@
           <a:p>
             <a:r>
               <a:rPr lang="zh-TW" altLang="en-US" dirty="0" smtClean="0"/>
-              <a:t>程式架構</a:t>
-            </a:r>
-            <a:endParaRPr lang="zh-TW" dirty="0"/>
+              <a:t>開發時程</a:t>
+            </a:r>
+            <a:endParaRPr lang="zh-TW" altLang="en-US" dirty="0"/>
           </a:p>
         </p:txBody>
       </p:sp>
@@ -7051,13 +6789,17 @@
           <a:bodyPr/>
           <a:lstStyle/>
           <a:p>
-            <a:endParaRPr lang="zh-TW" altLang="en-US"/>
-          </a:p>
-        </p:txBody>
-      </p:sp>
-      <p:sp>
-        <p:nvSpPr>
-          <p:cNvPr id="5" name="內容版面配置區 4"/>
+            <a:r>
+              <a:rPr lang="zh-TW" altLang="en-US" dirty="0" smtClean="0"/>
+              <a:t>甘特圖</a:t>
+            </a:r>
+            <a:endParaRPr lang="zh-TW" altLang="en-US" dirty="0"/>
+          </a:p>
+        </p:txBody>
+      </p:sp>
+      <p:sp>
+        <p:nvSpPr>
+          <p:cNvPr id="4" name="內容版面配置區 3"/>
           <p:cNvSpPr>
             <a:spLocks noGrp="1"/>
           </p:cNvSpPr>
@@ -7077,7 +6819,7 @@
     </p:spTree>
     <p:extLst>
       <p:ext uri="{BB962C8B-B14F-4D97-AF65-F5344CB8AC3E}">
-        <p14:creationId xmlns:p14="http://schemas.microsoft.com/office/powerpoint/2010/main" val="4080247503"/>
+        <p14:creationId xmlns:p14="http://schemas.microsoft.com/office/powerpoint/2010/main" val="3545009986"/>
       </p:ext>
     </p:extLst>
   </p:cSld>
@@ -7096,13 +6838,6 @@
       </p:transition>
     </mc:Fallback>
   </mc:AlternateContent>
-  <p:timing>
-    <p:tnLst>
-      <p:par>
-        <p:cTn id="1" dur="indefinite" restart="never" nodeType="tmRoot"/>
-      </p:par>
-    </p:tnLst>
-  </p:timing>
 </p:sld>
 </file>
 
@@ -7140,7 +6875,7 @@
           <a:p>
             <a:r>
               <a:rPr lang="zh-TW" altLang="en-US" dirty="0" smtClean="0"/>
-              <a:t>開發時程</a:t>
+              <a:t>研究過程與問題探討</a:t>
             </a:r>
             <a:endParaRPr lang="zh-TW" altLang="en-US" dirty="0"/>
           </a:p>
@@ -7163,7 +6898,7 @@
           <a:p>
             <a:r>
               <a:rPr lang="zh-TW" altLang="en-US" dirty="0" smtClean="0"/>
-              <a:t>甘特圖</a:t>
+              <a:t>遇到的種種問題打在這裡</a:t>
             </a:r>
             <a:endParaRPr lang="zh-TW" altLang="en-US" dirty="0"/>
           </a:p>
@@ -7191,7 +6926,7 @@
     </p:spTree>
     <p:extLst>
       <p:ext uri="{BB962C8B-B14F-4D97-AF65-F5344CB8AC3E}">
-        <p14:creationId xmlns:p14="http://schemas.microsoft.com/office/powerpoint/2010/main" val="3545009986"/>
+        <p14:creationId xmlns:p14="http://schemas.microsoft.com/office/powerpoint/2010/main" val="1142184914"/>
       </p:ext>
     </p:extLst>
   </p:cSld>
@@ -7247,7 +6982,7 @@
           <a:p>
             <a:r>
               <a:rPr lang="zh-TW" altLang="en-US" dirty="0" smtClean="0"/>
-              <a:t>研究過程與問題探討</a:t>
+              <a:t>生還者們的感言</a:t>
             </a:r>
             <a:endParaRPr lang="zh-TW" altLang="en-US" dirty="0"/>
           </a:p>
@@ -7270,7 +7005,7 @@
           <a:p>
             <a:r>
               <a:rPr lang="zh-TW" altLang="en-US" dirty="0" smtClean="0"/>
-              <a:t>遇到的種種問題打在這裡</a:t>
+              <a:t>同學們的心得甘苦談</a:t>
             </a:r>
             <a:endParaRPr lang="zh-TW" altLang="en-US" dirty="0"/>
           </a:p>
@@ -7298,7 +7033,7 @@
     </p:spTree>
     <p:extLst>
       <p:ext uri="{BB962C8B-B14F-4D97-AF65-F5344CB8AC3E}">
-        <p14:creationId xmlns:p14="http://schemas.microsoft.com/office/powerpoint/2010/main" val="1142184914"/>
+        <p14:creationId xmlns:p14="http://schemas.microsoft.com/office/powerpoint/2010/main" val="1842730956"/>
       </p:ext>
     </p:extLst>
   </p:cSld>
@@ -7352,60 +7087,35 @@
           <a:bodyPr/>
           <a:lstStyle/>
           <a:p>
-            <a:r>
-              <a:rPr lang="zh-TW" altLang="en-US" dirty="0" smtClean="0"/>
-              <a:t>生還者們的感言</a:t>
-            </a:r>
-            <a:endParaRPr lang="zh-TW" altLang="en-US" dirty="0"/>
-          </a:p>
-        </p:txBody>
-      </p:sp>
-      <p:sp>
-        <p:nvSpPr>
-          <p:cNvPr id="3" name="內容版面配置區 2"/>
-          <p:cNvSpPr>
-            <a:spLocks noGrp="1"/>
-          </p:cNvSpPr>
-          <p:nvPr>
-            <p:ph sz="half" idx="1"/>
+            <a:endParaRPr lang="zh-TW" dirty="0"/>
+          </a:p>
+        </p:txBody>
+      </p:sp>
+      <p:sp>
+        <p:nvSpPr>
+          <p:cNvPr id="3" name="文字版面配置區 2"/>
+          <p:cNvSpPr>
+            <a:spLocks noGrp="1"/>
+          </p:cNvSpPr>
+          <p:nvPr>
+            <p:ph type="body" idx="1"/>
           </p:nvPr>
         </p:nvSpPr>
         <p:spPr/>
         <p:txBody>
-          <a:bodyPr/>
-          <a:lstStyle/>
-          <a:p>
-            <a:r>
-              <a:rPr lang="zh-TW" altLang="en-US" dirty="0" smtClean="0"/>
-              <a:t>同學們的心得甘苦談</a:t>
-            </a:r>
-            <a:endParaRPr lang="zh-TW" altLang="en-US" dirty="0"/>
-          </a:p>
-        </p:txBody>
-      </p:sp>
-      <p:sp>
-        <p:nvSpPr>
-          <p:cNvPr id="4" name="內容版面配置區 3"/>
-          <p:cNvSpPr>
-            <a:spLocks noGrp="1"/>
-          </p:cNvSpPr>
-          <p:nvPr>
-            <p:ph sz="half" idx="2"/>
-          </p:nvPr>
-        </p:nvSpPr>
-        <p:spPr/>
-        <p:txBody>
-          <a:bodyPr/>
-          <a:lstStyle/>
-          <a:p>
-            <a:endParaRPr lang="zh-TW" altLang="en-US"/>
+          <a:bodyPr>
+            <a:normAutofit/>
+          </a:bodyPr>
+          <a:lstStyle/>
+          <a:p>
+            <a:endParaRPr lang="zh-TW" dirty="0"/>
           </a:p>
         </p:txBody>
       </p:sp>
     </p:spTree>
     <p:extLst>
       <p:ext uri="{BB962C8B-B14F-4D97-AF65-F5344CB8AC3E}">
-        <p14:creationId xmlns:p14="http://schemas.microsoft.com/office/powerpoint/2010/main" val="1842730956"/>
+        <p14:creationId xmlns:p14="http://schemas.microsoft.com/office/powerpoint/2010/main" val="232995028"/>
       </p:ext>
     </p:extLst>
   </p:cSld>
@@ -7424,6 +7134,13 @@
       </p:transition>
     </mc:Fallback>
   </mc:AlternateContent>
+  <p:timing>
+    <p:tnLst>
+      <p:par>
+        <p:cTn id="1" dur="indefinite" restart="never" nodeType="tmRoot"/>
+      </p:par>
+    </p:tnLst>
+  </p:timing>
 </p:sld>
 </file>
 

--- a/專題的成長史/傢備封環(暫定).pptx
+++ b/專題的成長史/傢備封環(暫定).pptx
@@ -126,7 +126,7 @@
   </p:defaultTextStyle>
   <p:extLst>
     <p:ext uri="{EFAFB233-063F-42B5-8137-9DF3F51BA10A}">
-      <p15:sldGuideLst xmlns:p15="http://schemas.microsoft.com/office/powerpoint/2012/main" xmlns="">
+      <p15:sldGuideLst xmlns="" xmlns:p15="http://schemas.microsoft.com/office/powerpoint/2012/main">
         <p15:guide id="1" orient="horz" pos="2160">
           <p15:clr>
             <a:srgbClr val="A4A3A4"/>
@@ -215,7 +215,7 @@
       </p15:sldGuideLst>
     </p:ext>
     <p:ext uri="{2D200454-40CA-4A62-9FC3-DE9A4176ACB9}">
-      <p15:notesGuideLst xmlns:p15="http://schemas.microsoft.com/office/powerpoint/2012/main" xmlns="">
+      <p15:notesGuideLst xmlns="" xmlns:p15="http://schemas.microsoft.com/office/powerpoint/2012/main">
         <p15:guide id="1" orient="horz" pos="2880">
           <p15:clr>
             <a:srgbClr val="A4A3A4"/>
@@ -4641,7 +4641,7 @@
           <a:p>
             <a:r>
               <a:rPr lang="zh-TW" altLang="en-US" dirty="0" smtClean="0"/>
-              <a:t>立體顯影</a:t>
+              <a:t>镓鋇奉還</a:t>
             </a:r>
             <a:endParaRPr lang="zh-TW" dirty="0"/>
           </a:p>
@@ -6259,7 +6259,11 @@
           <a:p>
             <a:r>
               <a:rPr lang="zh-TW" altLang="en-US" dirty="0" smtClean="0"/>
-              <a:t>簡介</a:t>
+              <a:t>介</a:t>
+            </a:r>
+            <a:r>
+              <a:rPr lang="zh-TW" altLang="en-US" dirty="0"/>
+              <a:t>紹</a:t>
             </a:r>
             <a:endParaRPr lang="zh-TW" dirty="0"/>
           </a:p>
@@ -6286,11 +6290,70 @@
             </a:r>
             <a:r>
               <a:rPr lang="zh-TW" altLang="en-US" dirty="0" smtClean="0"/>
-              <a:t>平面貼圖，可隨心所欲將３Ｄ模組呈現在裝置上，並讓使用者隨心所欲調整各種不同的遠近角度來欣賞</a:t>
+              <a:t>平面貼圖，可隨心所欲將３Ｄ模組呈現在裝置上，並讓使用者隨心所欲調整各種不同的</a:t>
+            </a:r>
+            <a:r>
+              <a:rPr lang="zh-TW" altLang="en-US" dirty="0" smtClean="0"/>
+              <a:t>遠近</a:t>
+            </a:r>
+            <a:r>
+              <a:rPr lang="zh-TW" altLang="en-US" dirty="0"/>
+              <a:t>、</a:t>
+            </a:r>
+            <a:r>
+              <a:rPr lang="zh-TW" altLang="en-US" dirty="0" smtClean="0"/>
+              <a:t>方向來欣賞。</a:t>
             </a:r>
             <a:endParaRPr lang="en-US" altLang="zh-TW" dirty="0" smtClean="0"/>
           </a:p>
           <a:p>
+            <a:r>
+              <a:rPr lang="zh-TW" altLang="en-US" dirty="0"/>
+              <a:t>讀取</a:t>
+            </a:r>
+            <a:r>
+              <a:rPr lang="en-US" altLang="zh-TW" dirty="0" smtClean="0"/>
+              <a:t>3D</a:t>
+            </a:r>
+            <a:r>
+              <a:rPr lang="zh-TW" altLang="en-US" dirty="0" smtClean="0"/>
+              <a:t>模組－</a:t>
+            </a:r>
+            <a:r>
+              <a:rPr lang="en-US" altLang="zh-TW" dirty="0" err="1" smtClean="0"/>
+              <a:t>obj</a:t>
+            </a:r>
+            <a:r>
+              <a:rPr lang="zh-TW" altLang="en-US" dirty="0" smtClean="0"/>
+              <a:t>檔，呈現在相機上並可調整角度後放置。</a:t>
+            </a:r>
+            <a:endParaRPr lang="en-US" altLang="zh-TW" dirty="0" smtClean="0"/>
+          </a:p>
+          <a:p>
+            <a:r>
+              <a:rPr lang="zh-TW" altLang="en-US" dirty="0" smtClean="0"/>
+              <a:t>透過鏡頭觀看，角度</a:t>
+            </a:r>
+            <a:r>
+              <a:rPr lang="zh-TW" altLang="en-US" dirty="0"/>
+              <a:t>、</a:t>
+            </a:r>
+            <a:r>
+              <a:rPr lang="zh-TW" altLang="en-US" dirty="0" smtClean="0"/>
+              <a:t>光暗</a:t>
+            </a:r>
+            <a:r>
+              <a:rPr lang="zh-TW" altLang="en-US" dirty="0" smtClean="0"/>
+              <a:t>、遮擋住視線的物體</a:t>
+            </a:r>
+            <a:r>
+              <a:rPr lang="en-US" altLang="zh-TW" dirty="0" smtClean="0"/>
+              <a:t>…</a:t>
+            </a:r>
+            <a:r>
+              <a:rPr lang="zh-TW" altLang="en-US" dirty="0" smtClean="0"/>
+              <a:t>等微小的要素讓人察覺不出虛擬與現實的差異。</a:t>
+            </a:r>
             <a:endParaRPr lang="zh-TW" dirty="0"/>
           </a:p>
         </p:txBody>
@@ -6386,35 +6449,47 @@
           <a:p>
             <a:r>
               <a:rPr lang="zh-TW" altLang="en-US" dirty="0" smtClean="0"/>
-              <a:t>若想裝潢</a:t>
-            </a:r>
-            <a:r>
-              <a:rPr lang="en-US" altLang="zh-TW" dirty="0" smtClean="0"/>
-              <a:t>.</a:t>
+              <a:t>若想</a:t>
             </a:r>
             <a:r>
               <a:rPr lang="zh-TW" altLang="en-US" dirty="0" smtClean="0"/>
-              <a:t>置辦家具</a:t>
-            </a:r>
-            <a:r>
-              <a:rPr lang="en-US" altLang="zh-TW" dirty="0" smtClean="0"/>
-              <a:t>.</a:t>
+              <a:t>裝潢</a:t>
             </a:r>
             <a:r>
               <a:rPr lang="zh-TW" altLang="en-US" dirty="0"/>
-              <a:t>使用本</a:t>
+              <a:t>、</a:t>
             </a:r>
             <a:r>
               <a:rPr lang="zh-TW" altLang="en-US" dirty="0" smtClean="0"/>
-              <a:t>程式可節省大量時間</a:t>
-            </a:r>
-            <a:r>
-              <a:rPr lang="en-US" altLang="zh-TW" dirty="0" smtClean="0"/>
-              <a:t>.</a:t>
+              <a:t>置辦家具，使用</a:t>
+            </a:r>
+            <a:r>
+              <a:rPr lang="zh-TW" altLang="en-US" dirty="0"/>
+              <a:t>本</a:t>
             </a:r>
             <a:r>
               <a:rPr lang="zh-TW" altLang="en-US" dirty="0" smtClean="0"/>
-              <a:t>資源 免去理想與現實摩擦所造成的麻煩</a:t>
+              <a:t>程式可節省大量</a:t>
+            </a:r>
+            <a:r>
+              <a:rPr lang="zh-TW" altLang="en-US" dirty="0" smtClean="0"/>
+              <a:t>時間及資源，免去</a:t>
+            </a:r>
+            <a:r>
+              <a:rPr lang="zh-TW" altLang="en-US" dirty="0" smtClean="0"/>
+              <a:t>理想與現實摩擦所造成</a:t>
+            </a:r>
+            <a:r>
+              <a:rPr lang="zh-TW" altLang="en-US" dirty="0" smtClean="0"/>
+              <a:t>的</a:t>
+            </a:r>
+            <a:r>
+              <a:rPr lang="zh-TW" altLang="en-US" dirty="0" smtClean="0"/>
+              <a:t>失落</a:t>
+            </a:r>
+            <a:r>
+              <a:rPr lang="zh-TW" altLang="en-US" dirty="0"/>
+              <a:t>。</a:t>
             </a:r>
             <a:endParaRPr lang="en-US" altLang="zh-TW" dirty="0" smtClean="0"/>
           </a:p>
@@ -6429,7 +6504,11 @@
             </a:r>
             <a:r>
               <a:rPr lang="zh-TW" altLang="en-US" dirty="0" smtClean="0"/>
-              <a:t> 使用本程式後讓使用者透過鏡頭即時欣賞並免去後製修圖的麻煩</a:t>
+              <a:t> 使用本程式後讓使用者透過鏡頭即時欣賞並免去後製修圖的</a:t>
+            </a:r>
+            <a:r>
+              <a:rPr lang="zh-TW" altLang="en-US" dirty="0" smtClean="0"/>
+              <a:t>麻煩。</a:t>
             </a:r>
             <a:endParaRPr lang="en-US" altLang="zh-TW" dirty="0" smtClean="0"/>
           </a:p>
@@ -6444,7 +6523,15 @@
             </a:r>
             <a:r>
               <a:rPr lang="zh-TW" altLang="en-US" dirty="0" smtClean="0"/>
-              <a:t> 使用本程式輕鬆解決無煩惱 </a:t>
+              <a:t>使用</a:t>
+            </a:r>
+            <a:r>
+              <a:rPr lang="zh-TW" altLang="en-US" dirty="0" smtClean="0"/>
+              <a:t>本程式輕鬆解決無</a:t>
+            </a:r>
+            <a:r>
+              <a:rPr lang="zh-TW" altLang="en-US" dirty="0" smtClean="0"/>
+              <a:t>煩惱。 </a:t>
             </a:r>
             <a:endParaRPr lang="en-US" altLang="zh-TW" dirty="0" smtClean="0"/>
           </a:p>
@@ -6460,7 +6547,11 @@
           <a:p>
             <a:r>
               <a:rPr lang="zh-TW" altLang="en-US" dirty="0" smtClean="0"/>
-              <a:t>情人節沒有女朋友也可以拍張甜蜜照撫慰空虛的心靈</a:t>
+              <a:t>情人節沒有女朋友也可以拍張甜蜜照撫慰空虛的</a:t>
+            </a:r>
+            <a:r>
+              <a:rPr lang="zh-TW" altLang="en-US" dirty="0" smtClean="0"/>
+              <a:t>心靈。</a:t>
             </a:r>
             <a:endParaRPr lang="zh-TW" altLang="en-US" dirty="0"/>
           </a:p>
